--- a/Manuscripts & Presentations/Introduction Presentation.pptx
+++ b/Manuscripts & Presentations/Introduction Presentation.pptx
@@ -8,8 +8,9 @@
     <p:sldId id="256" r:id="rId2"/>
     <p:sldId id="257" r:id="rId3"/>
     <p:sldId id="258" r:id="rId4"/>
-    <p:sldId id="259" r:id="rId5"/>
+    <p:sldId id="261" r:id="rId5"/>
     <p:sldId id="260" r:id="rId6"/>
+    <p:sldId id="259" r:id="rId7"/>
   </p:sldIdLst>
   <p:sldSz cx="12192000" cy="6858000"/>
   <p:notesSz cx="6858000" cy="9144000"/>
@@ -3751,7 +3752,7 @@
           <p:cNvPr id="2" name="Title 1">
             <a:extLst>
               <a:ext uri="{FF2B5EF4-FFF2-40B4-BE49-F238E27FC236}">
-                <a16:creationId xmlns:a16="http://schemas.microsoft.com/office/drawing/2014/main" id="{29BF6979-9BE9-E1BD-5C28-D328ED1ECCD3}"/>
+                <a16:creationId xmlns:a16="http://schemas.microsoft.com/office/drawing/2014/main" id="{CBDC28C1-39D4-65C7-0A81-138EFD3EEB32}"/>
               </a:ext>
             </a:extLst>
           </p:cNvPr>
@@ -3769,7 +3770,7 @@
           <a:p>
             <a:r>
               <a:rPr lang="en-US" dirty="0"/>
-              <a:t>AI in Medical Image Processing</a:t>
+              <a:t>Challenges in Medical Image Data Engineering</a:t>
             </a:r>
           </a:p>
         </p:txBody>
@@ -3779,7 +3780,7 @@
           <p:cNvPr id="3" name="Content Placeholder 2">
             <a:extLst>
               <a:ext uri="{FF2B5EF4-FFF2-40B4-BE49-F238E27FC236}">
-                <a16:creationId xmlns:a16="http://schemas.microsoft.com/office/drawing/2014/main" id="{9C2C3A19-C41C-78B2-8177-71C2161BA538}"/>
+                <a16:creationId xmlns:a16="http://schemas.microsoft.com/office/drawing/2014/main" id="{248380ED-1801-BCA5-381B-4791E0F14058}"/>
               </a:ext>
             </a:extLst>
           </p:cNvPr>
@@ -3797,55 +3798,68 @@
           <a:p>
             <a:r>
               <a:rPr lang="en-US" dirty="0"/>
-              <a:t>AI in Medical Image Processing</a:t>
+              <a:t>Medical Images can be multi-dimensional</a:t>
             </a:r>
           </a:p>
           <a:p>
             <a:pPr lvl="1"/>
             <a:r>
               <a:rPr lang="en-US" dirty="0"/>
-              <a:t>Estimated to be a $20B industry by 2030</a:t>
-            </a:r>
-          </a:p>
-          <a:p>
-            <a:pPr lvl="2"/>
-            <a:r>
-              <a:rPr lang="en-US" dirty="0"/>
-              <a:t>36.9% CAGR</a:t>
+              <a:t>2D : X-Ray</a:t>
             </a:r>
           </a:p>
           <a:p>
             <a:pPr lvl="1"/>
             <a:r>
               <a:rPr lang="en-US" dirty="0"/>
-              <a:t>Machine Learning algorithms rely on data to train and test models</a:t>
-            </a:r>
-          </a:p>
-          <a:p>
-            <a:r>
-              <a:rPr lang="en-US" dirty="0"/>
-              <a:t>Datasets source sensitive medical data</a:t>
+              <a:t>3D : CT Scan</a:t>
             </a:r>
           </a:p>
           <a:p>
             <a:pPr lvl="1"/>
             <a:r>
               <a:rPr lang="en-US" dirty="0"/>
-              <a:t>Personal health information remains a large cybersecurity target</a:t>
+              <a:t>4D : MRIs taken across time</a:t>
+            </a:r>
+          </a:p>
+          <a:p>
+            <a:r>
+              <a:rPr lang="en-US" dirty="0"/>
+              <a:t>Medical Images are sensitive data</a:t>
             </a:r>
           </a:p>
           <a:p>
             <a:pPr lvl="1"/>
             <a:r>
               <a:rPr lang="en-US" dirty="0"/>
-              <a:t>Some researchers have turned to General Adversarial Networks (GANs) to form synthetic datasets</a:t>
-            </a:r>
-          </a:p>
-          <a:p>
-            <a:pPr lvl="2"/>
-            <a:r>
-              <a:rPr lang="en-US" dirty="0"/>
-              <a:t>Still ultimately requires a clinical source of data</a:t>
+              <a:t>Contain identifying patient information and health data</a:t>
+            </a:r>
+          </a:p>
+          <a:p>
+            <a:pPr lvl="1"/>
+            <a:r>
+              <a:rPr lang="en-US" dirty="0"/>
+              <a:t>Represents one of the biggest targets for cybersecurity breaches</a:t>
+            </a:r>
+          </a:p>
+          <a:p>
+            <a:r>
+              <a:rPr lang="en-US" dirty="0"/>
+              <a:t>Medical Images can be incredibly complex</a:t>
+            </a:r>
+          </a:p>
+          <a:p>
+            <a:pPr lvl="1"/>
+            <a:r>
+              <a:rPr lang="en-US" dirty="0"/>
+              <a:t>A single patient may have tens of thousands of images for a single diagnosis</a:t>
+            </a:r>
+          </a:p>
+          <a:p>
+            <a:pPr lvl="1"/>
+            <a:r>
+              <a:rPr lang="en-US" dirty="0"/>
+              <a:t>Feature vectors of these images can contain thousands of dimensions</a:t>
             </a:r>
           </a:p>
         </p:txBody>
@@ -3853,7 +3867,7 @@
     </p:spTree>
     <p:extLst>
       <p:ext uri="{BB962C8B-B14F-4D97-AF65-F5344CB8AC3E}">
-        <p14:creationId xmlns:p14="http://schemas.microsoft.com/office/powerpoint/2010/main" val="3723657762"/>
+        <p14:creationId xmlns:p14="http://schemas.microsoft.com/office/powerpoint/2010/main" val="1675916358"/>
       </p:ext>
     </p:extLst>
   </p:cSld>
@@ -3926,17 +3940,84 @@
         </p:nvSpPr>
         <p:spPr/>
         <p:txBody>
-          <a:bodyPr/>
-          <a:lstStyle/>
-          <a:p>
-            <a:r>
-              <a:rPr lang="en-US" dirty="0"/>
-              <a:t>Data in transfer represents its biggest vulnerability</a:t>
+          <a:bodyPr>
+            <a:normAutofit lnSpcReduction="10000"/>
+          </a:bodyPr>
+          <a:lstStyle/>
+          <a:p>
+            <a:r>
+              <a:rPr lang="en-US" dirty="0"/>
+              <a:t>As medical data has grown, more hospitals are outsourcing data storage to cloud servers</a:t>
             </a:r>
           </a:p>
           <a:p>
             <a:pPr lvl="1"/>
-            <a:endParaRPr lang="en-US" dirty="0"/>
+            <a:r>
+              <a:rPr lang="en-US" dirty="0"/>
+              <a:t>Data in transfer is most vulnerable</a:t>
+            </a:r>
+          </a:p>
+          <a:p>
+            <a:r>
+              <a:rPr lang="en-US" dirty="0"/>
+              <a:t>Two options to maintain HIPAA compliance:</a:t>
+            </a:r>
+          </a:p>
+          <a:p>
+            <a:pPr lvl="1"/>
+            <a:r>
+              <a:rPr lang="en-US" dirty="0"/>
+              <a:t>Encrypt data before sending to storage</a:t>
+            </a:r>
+          </a:p>
+          <a:p>
+            <a:pPr lvl="2"/>
+            <a:r>
+              <a:rPr lang="en-US" dirty="0"/>
+              <a:t>Contains full, raw image data</a:t>
+            </a:r>
+          </a:p>
+          <a:p>
+            <a:pPr lvl="2"/>
+            <a:r>
+              <a:rPr lang="en-US" dirty="0"/>
+              <a:t>Ensures only key holder has access</a:t>
+            </a:r>
+          </a:p>
+          <a:p>
+            <a:pPr lvl="2"/>
+            <a:r>
+              <a:rPr lang="en-US" dirty="0"/>
+              <a:t>Cannot process raw data without downloading on local machine</a:t>
+            </a:r>
+          </a:p>
+          <a:p>
+            <a:pPr lvl="1"/>
+            <a:r>
+              <a:rPr lang="en-US" dirty="0"/>
+              <a:t>Anonymize image</a:t>
+            </a:r>
+          </a:p>
+          <a:p>
+            <a:pPr lvl="2"/>
+            <a:r>
+              <a:rPr lang="en-US" dirty="0"/>
+              <a:t>Remove identifying features</a:t>
+            </a:r>
+          </a:p>
+          <a:p>
+            <a:pPr lvl="2"/>
+            <a:r>
+              <a:rPr lang="en-US" dirty="0"/>
+              <a:t>Able to remotely render image</a:t>
+            </a:r>
+          </a:p>
+          <a:p>
+            <a:pPr lvl="2"/>
+            <a:r>
+              <a:rPr lang="en-US" dirty="0"/>
+              <a:t>Not encrypted; does not contain totality of image data</a:t>
+            </a:r>
           </a:p>
         </p:txBody>
       </p:sp>
@@ -3944,6 +4025,133 @@
     <p:extLst>
       <p:ext uri="{BB962C8B-B14F-4D97-AF65-F5344CB8AC3E}">
         <p14:creationId xmlns:p14="http://schemas.microsoft.com/office/powerpoint/2010/main" val="541619950"/>
+      </p:ext>
+    </p:extLst>
+  </p:cSld>
+  <p:clrMapOvr>
+    <a:masterClrMapping/>
+  </p:clrMapOvr>
+</p:sld>
+</file>
+
+<file path=ppt/slides/slide6.xml><?xml version="1.0" encoding="utf-8"?>
+<p:sld xmlns:a="http://schemas.openxmlformats.org/drawingml/2006/main" xmlns:r="http://schemas.openxmlformats.org/officeDocument/2006/relationships" xmlns:p="http://schemas.openxmlformats.org/presentationml/2006/main">
+  <p:cSld>
+    <p:spTree>
+      <p:nvGrpSpPr>
+        <p:cNvPr id="1" name=""/>
+        <p:cNvGrpSpPr/>
+        <p:nvPr/>
+      </p:nvGrpSpPr>
+      <p:grpSpPr>
+        <a:xfrm>
+          <a:off x="0" y="0"/>
+          <a:ext cx="0" cy="0"/>
+          <a:chOff x="0" y="0"/>
+          <a:chExt cx="0" cy="0"/>
+        </a:xfrm>
+      </p:grpSpPr>
+      <p:sp>
+        <p:nvSpPr>
+          <p:cNvPr id="2" name="Title 1">
+            <a:extLst>
+              <a:ext uri="{FF2B5EF4-FFF2-40B4-BE49-F238E27FC236}">
+                <a16:creationId xmlns:a16="http://schemas.microsoft.com/office/drawing/2014/main" id="{29BF6979-9BE9-E1BD-5C28-D328ED1ECCD3}"/>
+              </a:ext>
+            </a:extLst>
+          </p:cNvPr>
+          <p:cNvSpPr>
+            <a:spLocks noGrp="1"/>
+          </p:cNvSpPr>
+          <p:nvPr>
+            <p:ph type="title"/>
+          </p:nvPr>
+        </p:nvSpPr>
+        <p:spPr/>
+        <p:txBody>
+          <a:bodyPr/>
+          <a:lstStyle/>
+          <a:p>
+            <a:r>
+              <a:rPr lang="en-US" dirty="0"/>
+              <a:t>AI in Medical Image Processing</a:t>
+            </a:r>
+          </a:p>
+        </p:txBody>
+      </p:sp>
+      <p:sp>
+        <p:nvSpPr>
+          <p:cNvPr id="3" name="Content Placeholder 2">
+            <a:extLst>
+              <a:ext uri="{FF2B5EF4-FFF2-40B4-BE49-F238E27FC236}">
+                <a16:creationId xmlns:a16="http://schemas.microsoft.com/office/drawing/2014/main" id="{9C2C3A19-C41C-78B2-8177-71C2161BA538}"/>
+              </a:ext>
+            </a:extLst>
+          </p:cNvPr>
+          <p:cNvSpPr>
+            <a:spLocks noGrp="1"/>
+          </p:cNvSpPr>
+          <p:nvPr>
+            <p:ph idx="1"/>
+          </p:nvPr>
+        </p:nvSpPr>
+        <p:spPr/>
+        <p:txBody>
+          <a:bodyPr/>
+          <a:lstStyle/>
+          <a:p>
+            <a:r>
+              <a:rPr lang="en-US" dirty="0"/>
+              <a:t>AI in Medical Image Processing</a:t>
+            </a:r>
+          </a:p>
+          <a:p>
+            <a:pPr lvl="1"/>
+            <a:r>
+              <a:rPr lang="en-US" dirty="0"/>
+              <a:t>Estimated to be a $20B industry by 2030</a:t>
+            </a:r>
+          </a:p>
+          <a:p>
+            <a:pPr lvl="2"/>
+            <a:r>
+              <a:rPr lang="en-US" dirty="0"/>
+              <a:t>36.9% CAGR</a:t>
+            </a:r>
+          </a:p>
+          <a:p>
+            <a:pPr lvl="1"/>
+            <a:r>
+              <a:rPr lang="en-US" dirty="0"/>
+              <a:t>Machine Learning algorithms rely on data to train and test models</a:t>
+            </a:r>
+          </a:p>
+          <a:p>
+            <a:r>
+              <a:rPr lang="en-US" dirty="0"/>
+              <a:t>Datasets source sensitive medical data</a:t>
+            </a:r>
+          </a:p>
+          <a:p>
+            <a:pPr lvl="1"/>
+            <a:r>
+              <a:rPr lang="en-US" dirty="0"/>
+              <a:t>Some researchers have turned to General Adversarial Networks (GANs) to form synthetic datasets</a:t>
+            </a:r>
+          </a:p>
+          <a:p>
+            <a:pPr lvl="2"/>
+            <a:r>
+              <a:rPr lang="en-US" dirty="0"/>
+              <a:t>Still ultimately requires a clinical source of data</a:t>
+            </a:r>
+          </a:p>
+        </p:txBody>
+      </p:sp>
+    </p:spTree>
+    <p:extLst>
+      <p:ext uri="{BB962C8B-B14F-4D97-AF65-F5344CB8AC3E}">
+        <p14:creationId xmlns:p14="http://schemas.microsoft.com/office/powerpoint/2010/main" val="3723657762"/>
       </p:ext>
     </p:extLst>
   </p:cSld>

--- a/Manuscripts & Presentations/Introduction Presentation.pptx
+++ b/Manuscripts & Presentations/Introduction Presentation.pptx
@@ -109,6 +109,11 @@
       </a:defRPr>
     </a:lvl9pPr>
   </p:defaultTextStyle>
+  <p:extLst>
+    <p:ext uri="{EFAFB233-063F-42B5-8137-9DF3F51BA10A}">
+      <p15:sldGuideLst xmlns:p15="http://schemas.microsoft.com/office/powerpoint/2012/main"/>
+    </p:ext>
+  </p:extLst>
 </p:presentation>
 </file>
 
@@ -259,7 +264,7 @@
           <a:p>
             <a:fld id="{D17D487A-5351-9D4B-87ED-507969B914B3}" type="datetimeFigureOut">
               <a:rPr lang="en-US" smtClean="0"/>
-              <a:t>9/18/22</a:t>
+              <a:t>9/19/22</a:t>
             </a:fld>
             <a:endParaRPr lang="en-US"/>
           </a:p>
@@ -457,7 +462,7 @@
           <a:p>
             <a:fld id="{D17D487A-5351-9D4B-87ED-507969B914B3}" type="datetimeFigureOut">
               <a:rPr lang="en-US" smtClean="0"/>
-              <a:t>9/18/22</a:t>
+              <a:t>9/19/22</a:t>
             </a:fld>
             <a:endParaRPr lang="en-US"/>
           </a:p>
@@ -665,7 +670,7 @@
           <a:p>
             <a:fld id="{D17D487A-5351-9D4B-87ED-507969B914B3}" type="datetimeFigureOut">
               <a:rPr lang="en-US" smtClean="0"/>
-              <a:t>9/18/22</a:t>
+              <a:t>9/19/22</a:t>
             </a:fld>
             <a:endParaRPr lang="en-US"/>
           </a:p>
@@ -863,7 +868,7 @@
           <a:p>
             <a:fld id="{D17D487A-5351-9D4B-87ED-507969B914B3}" type="datetimeFigureOut">
               <a:rPr lang="en-US" smtClean="0"/>
-              <a:t>9/18/22</a:t>
+              <a:t>9/19/22</a:t>
             </a:fld>
             <a:endParaRPr lang="en-US"/>
           </a:p>
@@ -1138,7 +1143,7 @@
           <a:p>
             <a:fld id="{D17D487A-5351-9D4B-87ED-507969B914B3}" type="datetimeFigureOut">
               <a:rPr lang="en-US" smtClean="0"/>
-              <a:t>9/18/22</a:t>
+              <a:t>9/19/22</a:t>
             </a:fld>
             <a:endParaRPr lang="en-US"/>
           </a:p>
@@ -1403,7 +1408,7 @@
           <a:p>
             <a:fld id="{D17D487A-5351-9D4B-87ED-507969B914B3}" type="datetimeFigureOut">
               <a:rPr lang="en-US" smtClean="0"/>
-              <a:t>9/18/22</a:t>
+              <a:t>9/19/22</a:t>
             </a:fld>
             <a:endParaRPr lang="en-US"/>
           </a:p>
@@ -1815,7 +1820,7 @@
           <a:p>
             <a:fld id="{D17D487A-5351-9D4B-87ED-507969B914B3}" type="datetimeFigureOut">
               <a:rPr lang="en-US" smtClean="0"/>
-              <a:t>9/18/22</a:t>
+              <a:t>9/19/22</a:t>
             </a:fld>
             <a:endParaRPr lang="en-US"/>
           </a:p>
@@ -1956,7 +1961,7 @@
           <a:p>
             <a:fld id="{D17D487A-5351-9D4B-87ED-507969B914B3}" type="datetimeFigureOut">
               <a:rPr lang="en-US" smtClean="0"/>
-              <a:t>9/18/22</a:t>
+              <a:t>9/19/22</a:t>
             </a:fld>
             <a:endParaRPr lang="en-US"/>
           </a:p>
@@ -2069,7 +2074,7 @@
           <a:p>
             <a:fld id="{D17D487A-5351-9D4B-87ED-507969B914B3}" type="datetimeFigureOut">
               <a:rPr lang="en-US" smtClean="0"/>
-              <a:t>9/18/22</a:t>
+              <a:t>9/19/22</a:t>
             </a:fld>
             <a:endParaRPr lang="en-US"/>
           </a:p>
@@ -2380,7 +2385,7 @@
           <a:p>
             <a:fld id="{D17D487A-5351-9D4B-87ED-507969B914B3}" type="datetimeFigureOut">
               <a:rPr lang="en-US" smtClean="0"/>
-              <a:t>9/18/22</a:t>
+              <a:t>9/19/22</a:t>
             </a:fld>
             <a:endParaRPr lang="en-US"/>
           </a:p>
@@ -2668,7 +2673,7 @@
           <a:p>
             <a:fld id="{D17D487A-5351-9D4B-87ED-507969B914B3}" type="datetimeFigureOut">
               <a:rPr lang="en-US" smtClean="0"/>
-              <a:t>9/18/22</a:t>
+              <a:t>9/19/22</a:t>
             </a:fld>
             <a:endParaRPr lang="en-US"/>
           </a:p>
@@ -2909,7 +2914,7 @@
           <a:p>
             <a:fld id="{D17D487A-5351-9D4B-87ED-507969B914B3}" type="datetimeFigureOut">
               <a:rPr lang="en-US" smtClean="0"/>
-              <a:t>9/18/22</a:t>
+              <a:t>9/19/22</a:t>
             </a:fld>
             <a:endParaRPr lang="en-US"/>
           </a:p>
@@ -3522,7 +3527,7 @@
             <a:pPr lvl="1"/>
             <a:r>
               <a:rPr lang="en-US" dirty="0"/>
-              <a:t>Hospital adoption in 2022: &gt;95%</a:t>
+              <a:t>Hospital adoption in 2022: &gt;95% [1]</a:t>
             </a:r>
           </a:p>
           <a:p>
@@ -3562,8 +3567,66 @@
             <a:pPr lvl="1"/>
             <a:r>
               <a:rPr lang="en-US" dirty="0"/>
-              <a:t>5% had to re-do a test due to unavailability of prior results</a:t>
-            </a:r>
+              <a:t>5% had to re-do a test due to unavailability of prior results [2]</a:t>
+            </a:r>
+          </a:p>
+        </p:txBody>
+      </p:sp>
+      <p:sp>
+        <p:nvSpPr>
+          <p:cNvPr id="4" name="TextBox 3">
+            <a:extLst>
+              <a:ext uri="{FF2B5EF4-FFF2-40B4-BE49-F238E27FC236}">
+                <a16:creationId xmlns:a16="http://schemas.microsoft.com/office/drawing/2014/main" id="{E08FD4AB-C3A9-9B0E-7CC6-07B789FB0FBC}"/>
+              </a:ext>
+            </a:extLst>
+          </p:cNvPr>
+          <p:cNvSpPr txBox="1"/>
+          <p:nvPr/>
+        </p:nvSpPr>
+        <p:spPr>
+          <a:xfrm>
+            <a:off x="637953" y="6176963"/>
+            <a:ext cx="11313042" cy="646331"/>
+          </a:xfrm>
+          <a:prstGeom prst="rect">
+            <a:avLst/>
+          </a:prstGeom>
+          <a:noFill/>
+        </p:spPr>
+        <p:txBody>
+          <a:bodyPr wrap="square" rtlCol="0">
+            <a:spAutoFit/>
+          </a:bodyPr>
+          <a:lstStyle/>
+          <a:p>
+            <a:r>
+              <a:rPr lang="en-US" dirty="0"/>
+              <a:t>[1] : </a:t>
+            </a:r>
+            <a:r>
+              <a:rPr lang="en-US" dirty="0">
+                <a:effectLst/>
+                <a:hlinkClick r:id="rId2"/>
+              </a:rPr>
+              <a:t>https://www.ncbi.nlm.nih.gov/pmc/articles/PMC5565131/</a:t>
+            </a:r>
+            <a:endParaRPr lang="en-US" dirty="0">
+              <a:effectLst/>
+            </a:endParaRPr>
+          </a:p>
+          <a:p>
+            <a:r>
+              <a:rPr lang="en-US" dirty="0"/>
+              <a:t>[2] : </a:t>
+            </a:r>
+            <a:r>
+              <a:rPr lang="en-US" dirty="0">
+                <a:hlinkClick r:id="rId3"/>
+              </a:rPr>
+              <a:t>https://journals.sagepub.com/doi/10.1177/1460458218769699</a:t>
+            </a:r>
+            <a:endParaRPr lang="en-US" dirty="0"/>
           </a:p>
         </p:txBody>
       </p:sp>
